--- a/Parbaked.pptx
+++ b/Parbaked.pptx
@@ -3321,6 +3321,820 @@
           <a:chExt cx="0" cy="0"/>
         </a:xfrm>
       </p:grpSpPr>
+      <p:sp>
+        <p:nvSpPr>
+          <p:cNvPr id="4" name="Rectangle 3">
+            <a:extLst>
+              <a:ext uri="{FF2B5EF4-FFF2-40B4-BE49-F238E27FC236}">
+                <a16:creationId xmlns:a16="http://schemas.microsoft.com/office/drawing/2014/main" id="{AC6924D2-25A8-8848-A751-F71DA583948A}"/>
+              </a:ext>
+            </a:extLst>
+          </p:cNvPr>
+          <p:cNvSpPr/>
+          <p:nvPr/>
+        </p:nvSpPr>
+        <p:spPr>
+          <a:xfrm>
+            <a:off x="2053102" y="2194582"/>
+            <a:ext cx="2760750" cy="2079026"/>
+          </a:xfrm>
+          <a:prstGeom prst="rect">
+            <a:avLst/>
+          </a:prstGeom>
+        </p:spPr>
+        <p:style>
+          <a:lnRef idx="2">
+            <a:schemeClr val="dk1"/>
+          </a:lnRef>
+          <a:fillRef idx="1">
+            <a:schemeClr val="lt1"/>
+          </a:fillRef>
+          <a:effectRef idx="0">
+            <a:schemeClr val="dk1"/>
+          </a:effectRef>
+          <a:fontRef idx="minor">
+            <a:schemeClr val="dk1"/>
+          </a:fontRef>
+        </p:style>
+        <p:txBody>
+          <a:bodyPr rtlCol="0" anchor="t"/>
+          <a:lstStyle/>
+          <a:p>
+            <a:pPr algn="ctr"/>
+            <a:r>
+              <a:rPr lang="en-US" dirty="0"/>
+              <a:t>Dynamic From</a:t>
+            </a:r>
+          </a:p>
+        </p:txBody>
+      </p:sp>
+      <p:sp>
+        <p:nvSpPr>
+          <p:cNvPr id="5" name="Rectangle 4">
+            <a:extLst>
+              <a:ext uri="{FF2B5EF4-FFF2-40B4-BE49-F238E27FC236}">
+                <a16:creationId xmlns:a16="http://schemas.microsoft.com/office/drawing/2014/main" id="{7934429B-8389-034F-AD0F-0F4470757055}"/>
+              </a:ext>
+            </a:extLst>
+          </p:cNvPr>
+          <p:cNvSpPr/>
+          <p:nvPr/>
+        </p:nvSpPr>
+        <p:spPr>
+          <a:xfrm>
+            <a:off x="3433477" y="2723103"/>
+            <a:ext cx="1178279" cy="367748"/>
+          </a:xfrm>
+          <a:prstGeom prst="rect">
+            <a:avLst/>
+          </a:prstGeom>
+        </p:spPr>
+        <p:style>
+          <a:lnRef idx="2">
+            <a:schemeClr val="accent3">
+              <a:shade val="50000"/>
+            </a:schemeClr>
+          </a:lnRef>
+          <a:fillRef idx="1">
+            <a:schemeClr val="accent3"/>
+          </a:fillRef>
+          <a:effectRef idx="0">
+            <a:schemeClr val="accent3"/>
+          </a:effectRef>
+          <a:fontRef idx="minor">
+            <a:schemeClr val="lt1"/>
+          </a:fontRef>
+        </p:style>
+        <p:txBody>
+          <a:bodyPr rtlCol="0" anchor="ctr"/>
+          <a:lstStyle/>
+          <a:p>
+            <a:pPr algn="ctr"/>
+            <a:endParaRPr lang="en-US"/>
+          </a:p>
+        </p:txBody>
+      </p:sp>
+      <p:sp>
+        <p:nvSpPr>
+          <p:cNvPr id="6" name="Rectangle 5">
+            <a:extLst>
+              <a:ext uri="{FF2B5EF4-FFF2-40B4-BE49-F238E27FC236}">
+                <a16:creationId xmlns:a16="http://schemas.microsoft.com/office/drawing/2014/main" id="{41A31FFB-16F9-CA42-BF79-19A6C44661B2}"/>
+              </a:ext>
+            </a:extLst>
+          </p:cNvPr>
+          <p:cNvSpPr/>
+          <p:nvPr/>
+        </p:nvSpPr>
+        <p:spPr>
+          <a:xfrm>
+            <a:off x="3433477" y="3199306"/>
+            <a:ext cx="1178279" cy="367748"/>
+          </a:xfrm>
+          <a:prstGeom prst="rect">
+            <a:avLst/>
+          </a:prstGeom>
+        </p:spPr>
+        <p:style>
+          <a:lnRef idx="2">
+            <a:schemeClr val="accent3">
+              <a:shade val="50000"/>
+            </a:schemeClr>
+          </a:lnRef>
+          <a:fillRef idx="1">
+            <a:schemeClr val="accent3"/>
+          </a:fillRef>
+          <a:effectRef idx="0">
+            <a:schemeClr val="accent3"/>
+          </a:effectRef>
+          <a:fontRef idx="minor">
+            <a:schemeClr val="lt1"/>
+          </a:fontRef>
+        </p:style>
+        <p:txBody>
+          <a:bodyPr rtlCol="0" anchor="ctr"/>
+          <a:lstStyle/>
+          <a:p>
+            <a:pPr algn="ctr"/>
+            <a:endParaRPr lang="en-US"/>
+          </a:p>
+        </p:txBody>
+      </p:sp>
+      <p:sp>
+        <p:nvSpPr>
+          <p:cNvPr id="7" name="Rectangle 6">
+            <a:extLst>
+              <a:ext uri="{FF2B5EF4-FFF2-40B4-BE49-F238E27FC236}">
+                <a16:creationId xmlns:a16="http://schemas.microsoft.com/office/drawing/2014/main" id="{E2572149-AA2A-6949-9D3E-75D2FCD29C0C}"/>
+              </a:ext>
+            </a:extLst>
+          </p:cNvPr>
+          <p:cNvSpPr/>
+          <p:nvPr/>
+        </p:nvSpPr>
+        <p:spPr>
+          <a:xfrm>
+            <a:off x="3433476" y="3677698"/>
+            <a:ext cx="1178279" cy="367748"/>
+          </a:xfrm>
+          <a:prstGeom prst="rect">
+            <a:avLst/>
+          </a:prstGeom>
+        </p:spPr>
+        <p:style>
+          <a:lnRef idx="2">
+            <a:schemeClr val="accent3">
+              <a:shade val="50000"/>
+            </a:schemeClr>
+          </a:lnRef>
+          <a:fillRef idx="1">
+            <a:schemeClr val="accent3"/>
+          </a:fillRef>
+          <a:effectRef idx="0">
+            <a:schemeClr val="accent3"/>
+          </a:effectRef>
+          <a:fontRef idx="minor">
+            <a:schemeClr val="lt1"/>
+          </a:fontRef>
+        </p:style>
+        <p:txBody>
+          <a:bodyPr rtlCol="0" anchor="ctr"/>
+          <a:lstStyle/>
+          <a:p>
+            <a:pPr algn="ctr"/>
+            <a:endParaRPr lang="en-US"/>
+          </a:p>
+        </p:txBody>
+      </p:sp>
+      <p:sp>
+        <p:nvSpPr>
+          <p:cNvPr id="8" name="TextBox 7">
+            <a:extLst>
+              <a:ext uri="{FF2B5EF4-FFF2-40B4-BE49-F238E27FC236}">
+                <a16:creationId xmlns:a16="http://schemas.microsoft.com/office/drawing/2014/main" id="{E37BBAF8-3863-8A42-822C-60BAEBF8A306}"/>
+              </a:ext>
+            </a:extLst>
+          </p:cNvPr>
+          <p:cNvSpPr txBox="1"/>
+          <p:nvPr/>
+        </p:nvSpPr>
+        <p:spPr>
+          <a:xfrm>
+            <a:off x="2053102" y="2723103"/>
+            <a:ext cx="744114" cy="369332"/>
+          </a:xfrm>
+          <a:prstGeom prst="rect">
+            <a:avLst/>
+          </a:prstGeom>
+          <a:noFill/>
+        </p:spPr>
+        <p:txBody>
+          <a:bodyPr wrap="none" rtlCol="0">
+            <a:spAutoFit/>
+          </a:bodyPr>
+          <a:lstStyle/>
+          <a:p>
+            <a:r>
+              <a:rPr lang="en-US" dirty="0"/>
+              <a:t>Name</a:t>
+            </a:r>
+          </a:p>
+        </p:txBody>
+      </p:sp>
+      <p:sp>
+        <p:nvSpPr>
+          <p:cNvPr id="9" name="TextBox 8">
+            <a:extLst>
+              <a:ext uri="{FF2B5EF4-FFF2-40B4-BE49-F238E27FC236}">
+                <a16:creationId xmlns:a16="http://schemas.microsoft.com/office/drawing/2014/main" id="{CCD6CCC2-35A9-3847-AED4-88532E51E7A4}"/>
+              </a:ext>
+            </a:extLst>
+          </p:cNvPr>
+          <p:cNvSpPr txBox="1"/>
+          <p:nvPr/>
+        </p:nvSpPr>
+        <p:spPr>
+          <a:xfrm>
+            <a:off x="2053102" y="3223281"/>
+            <a:ext cx="697627" cy="369332"/>
+          </a:xfrm>
+          <a:prstGeom prst="rect">
+            <a:avLst/>
+          </a:prstGeom>
+          <a:noFill/>
+        </p:spPr>
+        <p:txBody>
+          <a:bodyPr wrap="none" rtlCol="0">
+            <a:spAutoFit/>
+          </a:bodyPr>
+          <a:lstStyle/>
+          <a:p>
+            <a:r>
+              <a:rPr lang="en-US" dirty="0"/>
+              <a:t>Email</a:t>
+            </a:r>
+          </a:p>
+        </p:txBody>
+      </p:sp>
+      <p:sp>
+        <p:nvSpPr>
+          <p:cNvPr id="10" name="TextBox 9">
+            <a:extLst>
+              <a:ext uri="{FF2B5EF4-FFF2-40B4-BE49-F238E27FC236}">
+                <a16:creationId xmlns:a16="http://schemas.microsoft.com/office/drawing/2014/main" id="{8E1A61F4-9864-A84C-A487-D5EF0284B66F}"/>
+              </a:ext>
+            </a:extLst>
+          </p:cNvPr>
+          <p:cNvSpPr txBox="1"/>
+          <p:nvPr/>
+        </p:nvSpPr>
+        <p:spPr>
+          <a:xfrm>
+            <a:off x="2053102" y="3677698"/>
+            <a:ext cx="784189" cy="369332"/>
+          </a:xfrm>
+          <a:prstGeom prst="rect">
+            <a:avLst/>
+          </a:prstGeom>
+          <a:noFill/>
+        </p:spPr>
+        <p:txBody>
+          <a:bodyPr wrap="none" rtlCol="0">
+            <a:spAutoFit/>
+          </a:bodyPr>
+          <a:lstStyle/>
+          <a:p>
+            <a:r>
+              <a:rPr lang="en-US" dirty="0"/>
+              <a:t>Phone</a:t>
+            </a:r>
+          </a:p>
+        </p:txBody>
+      </p:sp>
+      <p:sp>
+        <p:nvSpPr>
+          <p:cNvPr id="11" name="Triangle 10">
+            <a:extLst>
+              <a:ext uri="{FF2B5EF4-FFF2-40B4-BE49-F238E27FC236}">
+                <a16:creationId xmlns:a16="http://schemas.microsoft.com/office/drawing/2014/main" id="{436F0B70-E7B2-284B-9CA4-529A2482E4E7}"/>
+              </a:ext>
+            </a:extLst>
+          </p:cNvPr>
+          <p:cNvSpPr/>
+          <p:nvPr/>
+        </p:nvSpPr>
+        <p:spPr>
+          <a:xfrm>
+            <a:off x="155310" y="3070973"/>
+            <a:ext cx="805070" cy="716055"/>
+          </a:xfrm>
+          <a:prstGeom prst="triangle">
+            <a:avLst/>
+          </a:prstGeom>
+        </p:spPr>
+        <p:style>
+          <a:lnRef idx="2">
+            <a:schemeClr val="accent6">
+              <a:shade val="50000"/>
+            </a:schemeClr>
+          </a:lnRef>
+          <a:fillRef idx="1">
+            <a:schemeClr val="accent6"/>
+          </a:fillRef>
+          <a:effectRef idx="0">
+            <a:schemeClr val="accent6"/>
+          </a:effectRef>
+          <a:fontRef idx="minor">
+            <a:schemeClr val="lt1"/>
+          </a:fontRef>
+        </p:style>
+        <p:txBody>
+          <a:bodyPr rtlCol="0" anchor="ctr"/>
+          <a:lstStyle/>
+          <a:p>
+            <a:pPr algn="ctr"/>
+            <a:endParaRPr lang="en-US"/>
+          </a:p>
+        </p:txBody>
+      </p:sp>
+      <p:sp>
+        <p:nvSpPr>
+          <p:cNvPr id="12" name="Oval 11">
+            <a:extLst>
+              <a:ext uri="{FF2B5EF4-FFF2-40B4-BE49-F238E27FC236}">
+                <a16:creationId xmlns:a16="http://schemas.microsoft.com/office/drawing/2014/main" id="{993B7421-9AC8-B741-90DC-5787C7B20643}"/>
+              </a:ext>
+            </a:extLst>
+          </p:cNvPr>
+          <p:cNvSpPr/>
+          <p:nvPr/>
+        </p:nvSpPr>
+        <p:spPr>
+          <a:xfrm>
+            <a:off x="115513" y="2570139"/>
+            <a:ext cx="884664" cy="858861"/>
+          </a:xfrm>
+          <a:prstGeom prst="ellipse">
+            <a:avLst/>
+          </a:prstGeom>
+        </p:spPr>
+        <p:style>
+          <a:lnRef idx="2">
+            <a:schemeClr val="accent6">
+              <a:shade val="50000"/>
+            </a:schemeClr>
+          </a:lnRef>
+          <a:fillRef idx="1">
+            <a:schemeClr val="accent6"/>
+          </a:fillRef>
+          <a:effectRef idx="0">
+            <a:schemeClr val="accent6"/>
+          </a:effectRef>
+          <a:fontRef idx="minor">
+            <a:schemeClr val="lt1"/>
+          </a:fontRef>
+        </p:style>
+        <p:txBody>
+          <a:bodyPr rtlCol="0" anchor="ctr"/>
+          <a:lstStyle/>
+          <a:p>
+            <a:pPr algn="ctr"/>
+            <a:endParaRPr lang="en-US"/>
+          </a:p>
+        </p:txBody>
+      </p:sp>
+      <p:cxnSp>
+        <p:nvCxnSpPr>
+          <p:cNvPr id="14" name="Straight Arrow Connector 13">
+            <a:extLst>
+              <a:ext uri="{FF2B5EF4-FFF2-40B4-BE49-F238E27FC236}">
+                <a16:creationId xmlns:a16="http://schemas.microsoft.com/office/drawing/2014/main" id="{2876B920-9D7B-3046-9EA7-A93BE2EE5E57}"/>
+              </a:ext>
+            </a:extLst>
+          </p:cNvPr>
+          <p:cNvCxnSpPr/>
+          <p:nvPr/>
+        </p:nvCxnSpPr>
+        <p:spPr>
+          <a:xfrm>
+            <a:off x="1103243" y="3199306"/>
+            <a:ext cx="785191" cy="0"/>
+          </a:xfrm>
+          <a:prstGeom prst="straightConnector1">
+            <a:avLst/>
+          </a:prstGeom>
+          <a:ln>
+            <a:tailEnd type="triangle"/>
+          </a:ln>
+        </p:spPr>
+        <p:style>
+          <a:lnRef idx="3">
+            <a:schemeClr val="dk1"/>
+          </a:lnRef>
+          <a:fillRef idx="0">
+            <a:schemeClr val="dk1"/>
+          </a:fillRef>
+          <a:effectRef idx="2">
+            <a:schemeClr val="dk1"/>
+          </a:effectRef>
+          <a:fontRef idx="minor">
+            <a:schemeClr val="tx1"/>
+          </a:fontRef>
+        </p:style>
+      </p:cxnSp>
+      <p:sp>
+        <p:nvSpPr>
+          <p:cNvPr id="15" name="Rectangle 14">
+            <a:extLst>
+              <a:ext uri="{FF2B5EF4-FFF2-40B4-BE49-F238E27FC236}">
+                <a16:creationId xmlns:a16="http://schemas.microsoft.com/office/drawing/2014/main" id="{4B9FD9B7-194E-D044-99BE-337000A6C1B4}"/>
+              </a:ext>
+            </a:extLst>
+          </p:cNvPr>
+          <p:cNvSpPr/>
+          <p:nvPr/>
+        </p:nvSpPr>
+        <p:spPr>
+          <a:xfrm>
+            <a:off x="5496600" y="2204303"/>
+            <a:ext cx="2760750" cy="2079026"/>
+          </a:xfrm>
+          <a:prstGeom prst="rect">
+            <a:avLst/>
+          </a:prstGeom>
+        </p:spPr>
+        <p:style>
+          <a:lnRef idx="2">
+            <a:schemeClr val="dk1"/>
+          </a:lnRef>
+          <a:fillRef idx="1">
+            <a:schemeClr val="lt1"/>
+          </a:fillRef>
+          <a:effectRef idx="0">
+            <a:schemeClr val="dk1"/>
+          </a:effectRef>
+          <a:fontRef idx="minor">
+            <a:schemeClr val="dk1"/>
+          </a:fontRef>
+        </p:style>
+        <p:txBody>
+          <a:bodyPr rtlCol="0" anchor="t"/>
+          <a:lstStyle/>
+          <a:p>
+            <a:pPr algn="ctr"/>
+            <a:r>
+              <a:rPr lang="en-US" dirty="0"/>
+              <a:t>Commander</a:t>
+            </a:r>
+          </a:p>
+        </p:txBody>
+      </p:sp>
+      <p:sp>
+        <p:nvSpPr>
+          <p:cNvPr id="16" name="Rectangle 15">
+            <a:extLst>
+              <a:ext uri="{FF2B5EF4-FFF2-40B4-BE49-F238E27FC236}">
+                <a16:creationId xmlns:a16="http://schemas.microsoft.com/office/drawing/2014/main" id="{60528526-3ECC-0E49-9776-F0665221701C}"/>
+              </a:ext>
+            </a:extLst>
+          </p:cNvPr>
+          <p:cNvSpPr/>
+          <p:nvPr/>
+        </p:nvSpPr>
+        <p:spPr>
+          <a:xfrm>
+            <a:off x="9149460" y="2194582"/>
+            <a:ext cx="2760750" cy="2079026"/>
+          </a:xfrm>
+          <a:prstGeom prst="rect">
+            <a:avLst/>
+          </a:prstGeom>
+        </p:spPr>
+        <p:style>
+          <a:lnRef idx="2">
+            <a:schemeClr val="dk1"/>
+          </a:lnRef>
+          <a:fillRef idx="1">
+            <a:schemeClr val="lt1"/>
+          </a:fillRef>
+          <a:effectRef idx="0">
+            <a:schemeClr val="dk1"/>
+          </a:effectRef>
+          <a:fontRef idx="minor">
+            <a:schemeClr val="dk1"/>
+          </a:fontRef>
+        </p:style>
+        <p:txBody>
+          <a:bodyPr rtlCol="0" anchor="t"/>
+          <a:lstStyle/>
+          <a:p>
+            <a:pPr algn="ctr"/>
+            <a:r>
+              <a:rPr lang="en-US" dirty="0"/>
+              <a:t>Backend Service</a:t>
+            </a:r>
+          </a:p>
+        </p:txBody>
+      </p:sp>
+      <p:cxnSp>
+        <p:nvCxnSpPr>
+          <p:cNvPr id="17" name="Straight Arrow Connector 16">
+            <a:extLst>
+              <a:ext uri="{FF2B5EF4-FFF2-40B4-BE49-F238E27FC236}">
+                <a16:creationId xmlns:a16="http://schemas.microsoft.com/office/drawing/2014/main" id="{438B6E8B-505B-2B4B-9850-7FF9CFD60E1A}"/>
+              </a:ext>
+            </a:extLst>
+          </p:cNvPr>
+          <p:cNvCxnSpPr>
+            <a:cxnSpLocks/>
+          </p:cNvCxnSpPr>
+          <p:nvPr/>
+        </p:nvCxnSpPr>
+        <p:spPr>
+          <a:xfrm>
+            <a:off x="4883426" y="3199306"/>
+            <a:ext cx="453887" cy="0"/>
+          </a:xfrm>
+          <a:prstGeom prst="straightConnector1">
+            <a:avLst/>
+          </a:prstGeom>
+          <a:ln>
+            <a:tailEnd type="triangle"/>
+          </a:ln>
+        </p:spPr>
+        <p:style>
+          <a:lnRef idx="3">
+            <a:schemeClr val="dk1"/>
+          </a:lnRef>
+          <a:fillRef idx="0">
+            <a:schemeClr val="dk1"/>
+          </a:fillRef>
+          <a:effectRef idx="2">
+            <a:schemeClr val="dk1"/>
+          </a:effectRef>
+          <a:fontRef idx="minor">
+            <a:schemeClr val="tx1"/>
+          </a:fontRef>
+        </p:style>
+      </p:cxnSp>
+      <p:cxnSp>
+        <p:nvCxnSpPr>
+          <p:cNvPr id="19" name="Straight Arrow Connector 18">
+            <a:extLst>
+              <a:ext uri="{FF2B5EF4-FFF2-40B4-BE49-F238E27FC236}">
+                <a16:creationId xmlns:a16="http://schemas.microsoft.com/office/drawing/2014/main" id="{28B9510F-A959-F14B-AD41-D700DFE264B6}"/>
+              </a:ext>
+            </a:extLst>
+          </p:cNvPr>
+          <p:cNvCxnSpPr>
+            <a:cxnSpLocks/>
+          </p:cNvCxnSpPr>
+          <p:nvPr/>
+        </p:nvCxnSpPr>
+        <p:spPr>
+          <a:xfrm>
+            <a:off x="8405191" y="3199306"/>
+            <a:ext cx="453887" cy="0"/>
+          </a:xfrm>
+          <a:prstGeom prst="straightConnector1">
+            <a:avLst/>
+          </a:prstGeom>
+          <a:ln>
+            <a:tailEnd type="triangle"/>
+          </a:ln>
+        </p:spPr>
+        <p:style>
+          <a:lnRef idx="3">
+            <a:schemeClr val="dk1"/>
+          </a:lnRef>
+          <a:fillRef idx="0">
+            <a:schemeClr val="dk1"/>
+          </a:fillRef>
+          <a:effectRef idx="2">
+            <a:schemeClr val="dk1"/>
+          </a:effectRef>
+          <a:fontRef idx="minor">
+            <a:schemeClr val="tx1"/>
+          </a:fontRef>
+        </p:style>
+      </p:cxnSp>
+      <p:sp>
+        <p:nvSpPr>
+          <p:cNvPr id="20" name="TextBox 19">
+            <a:extLst>
+              <a:ext uri="{FF2B5EF4-FFF2-40B4-BE49-F238E27FC236}">
+                <a16:creationId xmlns:a16="http://schemas.microsoft.com/office/drawing/2014/main" id="{A7E77684-4F2B-B844-AEDA-02F51553A9E8}"/>
+              </a:ext>
+            </a:extLst>
+          </p:cNvPr>
+          <p:cNvSpPr txBox="1"/>
+          <p:nvPr/>
+        </p:nvSpPr>
+        <p:spPr>
+          <a:xfrm>
+            <a:off x="8355712" y="2814903"/>
+            <a:ext cx="665567" cy="369332"/>
+          </a:xfrm>
+          <a:prstGeom prst="rect">
+            <a:avLst/>
+          </a:prstGeom>
+          <a:noFill/>
+        </p:spPr>
+        <p:txBody>
+          <a:bodyPr wrap="none" rtlCol="0">
+            <a:spAutoFit/>
+          </a:bodyPr>
+          <a:lstStyle/>
+          <a:p>
+            <a:r>
+              <a:rPr lang="en-US" dirty="0"/>
+              <a:t>JSON</a:t>
+            </a:r>
+          </a:p>
+        </p:txBody>
+      </p:sp>
+      <p:sp>
+        <p:nvSpPr>
+          <p:cNvPr id="21" name="TextBox 20">
+            <a:extLst>
+              <a:ext uri="{FF2B5EF4-FFF2-40B4-BE49-F238E27FC236}">
+                <a16:creationId xmlns:a16="http://schemas.microsoft.com/office/drawing/2014/main" id="{86CFFEB8-E60B-0046-9F08-5A3F33486294}"/>
+              </a:ext>
+            </a:extLst>
+          </p:cNvPr>
+          <p:cNvSpPr txBox="1"/>
+          <p:nvPr/>
+        </p:nvSpPr>
+        <p:spPr>
+          <a:xfrm>
+            <a:off x="4822442" y="2756796"/>
+            <a:ext cx="665567" cy="369332"/>
+          </a:xfrm>
+          <a:prstGeom prst="rect">
+            <a:avLst/>
+          </a:prstGeom>
+          <a:noFill/>
+        </p:spPr>
+        <p:txBody>
+          <a:bodyPr wrap="none" rtlCol="0">
+            <a:spAutoFit/>
+          </a:bodyPr>
+          <a:lstStyle/>
+          <a:p>
+            <a:r>
+              <a:rPr lang="en-US" dirty="0"/>
+              <a:t>JSON</a:t>
+            </a:r>
+          </a:p>
+        </p:txBody>
+      </p:sp>
+      <p:sp>
+        <p:nvSpPr>
+          <p:cNvPr id="22" name="Rounded Rectangular Callout 21">
+            <a:extLst>
+              <a:ext uri="{FF2B5EF4-FFF2-40B4-BE49-F238E27FC236}">
+                <a16:creationId xmlns:a16="http://schemas.microsoft.com/office/drawing/2014/main" id="{43ACBA49-206C-0C44-881C-226EE708FA92}"/>
+              </a:ext>
+            </a:extLst>
+          </p:cNvPr>
+          <p:cNvSpPr/>
+          <p:nvPr/>
+        </p:nvSpPr>
+        <p:spPr>
+          <a:xfrm>
+            <a:off x="2663686" y="539938"/>
+            <a:ext cx="1699590" cy="1390384"/>
+          </a:xfrm>
+          <a:prstGeom prst="wedgeRoundRectCallout">
+            <a:avLst/>
+          </a:prstGeom>
+        </p:spPr>
+        <p:style>
+          <a:lnRef idx="2">
+            <a:schemeClr val="accent2">
+              <a:shade val="50000"/>
+            </a:schemeClr>
+          </a:lnRef>
+          <a:fillRef idx="1">
+            <a:schemeClr val="accent2"/>
+          </a:fillRef>
+          <a:effectRef idx="0">
+            <a:schemeClr val="accent2"/>
+          </a:effectRef>
+          <a:fontRef idx="minor">
+            <a:schemeClr val="lt1"/>
+          </a:fontRef>
+        </p:style>
+        <p:txBody>
+          <a:bodyPr rtlCol="0" anchor="ctr"/>
+          <a:lstStyle/>
+          <a:p>
+            <a:pPr algn="ctr"/>
+            <a:r>
+              <a:rPr lang="en-US" dirty="0"/>
+              <a:t>Renders UI based upon record JSON and layout JSON</a:t>
+            </a:r>
+          </a:p>
+        </p:txBody>
+      </p:sp>
+      <p:sp>
+        <p:nvSpPr>
+          <p:cNvPr id="23" name="Rounded Rectangular Callout 22">
+            <a:extLst>
+              <a:ext uri="{FF2B5EF4-FFF2-40B4-BE49-F238E27FC236}">
+                <a16:creationId xmlns:a16="http://schemas.microsoft.com/office/drawing/2014/main" id="{C4503F4E-D61C-194D-802E-87F250D2AA62}"/>
+              </a:ext>
+            </a:extLst>
+          </p:cNvPr>
+          <p:cNvSpPr/>
+          <p:nvPr/>
+        </p:nvSpPr>
+        <p:spPr>
+          <a:xfrm>
+            <a:off x="6027180" y="539938"/>
+            <a:ext cx="1699590" cy="1390384"/>
+          </a:xfrm>
+          <a:prstGeom prst="wedgeRoundRectCallout">
+            <a:avLst/>
+          </a:prstGeom>
+        </p:spPr>
+        <p:style>
+          <a:lnRef idx="2">
+            <a:schemeClr val="accent2">
+              <a:shade val="50000"/>
+            </a:schemeClr>
+          </a:lnRef>
+          <a:fillRef idx="1">
+            <a:schemeClr val="accent2"/>
+          </a:fillRef>
+          <a:effectRef idx="0">
+            <a:schemeClr val="accent2"/>
+          </a:effectRef>
+          <a:fontRef idx="minor">
+            <a:schemeClr val="lt1"/>
+          </a:fontRef>
+        </p:style>
+        <p:txBody>
+          <a:bodyPr rtlCol="0" anchor="ctr"/>
+          <a:lstStyle/>
+          <a:p>
+            <a:pPr algn="ctr"/>
+            <a:r>
+              <a:rPr lang="en-US" dirty="0"/>
+              <a:t>Call appropriate backend services to retrieve JSON</a:t>
+            </a:r>
+          </a:p>
+        </p:txBody>
+      </p:sp>
+      <p:sp>
+        <p:nvSpPr>
+          <p:cNvPr id="24" name="Rounded Rectangular Callout 23">
+            <a:extLst>
+              <a:ext uri="{FF2B5EF4-FFF2-40B4-BE49-F238E27FC236}">
+                <a16:creationId xmlns:a16="http://schemas.microsoft.com/office/drawing/2014/main" id="{23526186-4C11-7245-ABBB-CA7EAD742AD2}"/>
+              </a:ext>
+            </a:extLst>
+          </p:cNvPr>
+          <p:cNvSpPr/>
+          <p:nvPr/>
+        </p:nvSpPr>
+        <p:spPr>
+          <a:xfrm>
+            <a:off x="9680040" y="539938"/>
+            <a:ext cx="1699590" cy="1390384"/>
+          </a:xfrm>
+          <a:prstGeom prst="wedgeRoundRectCallout">
+            <a:avLst/>
+          </a:prstGeom>
+        </p:spPr>
+        <p:style>
+          <a:lnRef idx="2">
+            <a:schemeClr val="accent2">
+              <a:shade val="50000"/>
+            </a:schemeClr>
+          </a:lnRef>
+          <a:fillRef idx="1">
+            <a:schemeClr val="accent2"/>
+          </a:fillRef>
+          <a:effectRef idx="0">
+            <a:schemeClr val="accent2"/>
+          </a:effectRef>
+          <a:fontRef idx="minor">
+            <a:schemeClr val="lt1"/>
+          </a:fontRef>
+        </p:style>
+        <p:txBody>
+          <a:bodyPr rtlCol="0" anchor="ctr"/>
+          <a:lstStyle/>
+          <a:p>
+            <a:pPr algn="ctr"/>
+            <a:r>
+              <a:rPr lang="en-US" dirty="0"/>
+              <a:t>Returns JSON for data and layout.</a:t>
+            </a:r>
+          </a:p>
+        </p:txBody>
+      </p:sp>
     </p:spTree>
     <p:extLst>
       <p:ext uri="{BB962C8B-B14F-4D97-AF65-F5344CB8AC3E}">
